--- a/IndexFolder_PlanNet/Figures.pptx
+++ b/IndexFolder_PlanNet/Figures.pptx
@@ -265,7 +265,7 @@
           <a:p>
             <a:fld id="{6D5FDB8C-4C92-0C4C-BA60-9D07FDD2BD7F}" type="datetimeFigureOut">
               <a:rPr lang="en-US" smtClean="0"/>
-              <a:t>8/19/19</a:t>
+              <a:t>12/23/19</a:t>
             </a:fld>
             <a:endParaRPr lang="en-US"/>
           </a:p>
@@ -463,7 +463,7 @@
           <a:p>
             <a:fld id="{6D5FDB8C-4C92-0C4C-BA60-9D07FDD2BD7F}" type="datetimeFigureOut">
               <a:rPr lang="en-US" smtClean="0"/>
-              <a:t>8/19/19</a:t>
+              <a:t>12/23/19</a:t>
             </a:fld>
             <a:endParaRPr lang="en-US"/>
           </a:p>
@@ -671,7 +671,7 @@
           <a:p>
             <a:fld id="{6D5FDB8C-4C92-0C4C-BA60-9D07FDD2BD7F}" type="datetimeFigureOut">
               <a:rPr lang="en-US" smtClean="0"/>
-              <a:t>8/19/19</a:t>
+              <a:t>12/23/19</a:t>
             </a:fld>
             <a:endParaRPr lang="en-US"/>
           </a:p>
@@ -869,7 +869,7 @@
           <a:p>
             <a:fld id="{6D5FDB8C-4C92-0C4C-BA60-9D07FDD2BD7F}" type="datetimeFigureOut">
               <a:rPr lang="en-US" smtClean="0"/>
-              <a:t>8/19/19</a:t>
+              <a:t>12/23/19</a:t>
             </a:fld>
             <a:endParaRPr lang="en-US"/>
           </a:p>
@@ -1144,7 +1144,7 @@
           <a:p>
             <a:fld id="{6D5FDB8C-4C92-0C4C-BA60-9D07FDD2BD7F}" type="datetimeFigureOut">
               <a:rPr lang="en-US" smtClean="0"/>
-              <a:t>8/19/19</a:t>
+              <a:t>12/23/19</a:t>
             </a:fld>
             <a:endParaRPr lang="en-US"/>
           </a:p>
@@ -1409,7 +1409,7 @@
           <a:p>
             <a:fld id="{6D5FDB8C-4C92-0C4C-BA60-9D07FDD2BD7F}" type="datetimeFigureOut">
               <a:rPr lang="en-US" smtClean="0"/>
-              <a:t>8/19/19</a:t>
+              <a:t>12/23/19</a:t>
             </a:fld>
             <a:endParaRPr lang="en-US"/>
           </a:p>
@@ -1821,7 +1821,7 @@
           <a:p>
             <a:fld id="{6D5FDB8C-4C92-0C4C-BA60-9D07FDD2BD7F}" type="datetimeFigureOut">
               <a:rPr lang="en-US" smtClean="0"/>
-              <a:t>8/19/19</a:t>
+              <a:t>12/23/19</a:t>
             </a:fld>
             <a:endParaRPr lang="en-US"/>
           </a:p>
@@ -1962,7 +1962,7 @@
           <a:p>
             <a:fld id="{6D5FDB8C-4C92-0C4C-BA60-9D07FDD2BD7F}" type="datetimeFigureOut">
               <a:rPr lang="en-US" smtClean="0"/>
-              <a:t>8/19/19</a:t>
+              <a:t>12/23/19</a:t>
             </a:fld>
             <a:endParaRPr lang="en-US"/>
           </a:p>
@@ -2075,7 +2075,7 @@
           <a:p>
             <a:fld id="{6D5FDB8C-4C92-0C4C-BA60-9D07FDD2BD7F}" type="datetimeFigureOut">
               <a:rPr lang="en-US" smtClean="0"/>
-              <a:t>8/19/19</a:t>
+              <a:t>12/23/19</a:t>
             </a:fld>
             <a:endParaRPr lang="en-US"/>
           </a:p>
@@ -2386,7 +2386,7 @@
           <a:p>
             <a:fld id="{6D5FDB8C-4C92-0C4C-BA60-9D07FDD2BD7F}" type="datetimeFigureOut">
               <a:rPr lang="en-US" smtClean="0"/>
-              <a:t>8/19/19</a:t>
+              <a:t>12/23/19</a:t>
             </a:fld>
             <a:endParaRPr lang="en-US"/>
           </a:p>
@@ -2674,7 +2674,7 @@
           <a:p>
             <a:fld id="{6D5FDB8C-4C92-0C4C-BA60-9D07FDD2BD7F}" type="datetimeFigureOut">
               <a:rPr lang="en-US" smtClean="0"/>
-              <a:t>8/19/19</a:t>
+              <a:t>12/23/19</a:t>
             </a:fld>
             <a:endParaRPr lang="en-US"/>
           </a:p>
@@ -2915,7 +2915,7 @@
           <a:p>
             <a:fld id="{6D5FDB8C-4C92-0C4C-BA60-9D07FDD2BD7F}" type="datetimeFigureOut">
               <a:rPr lang="en-US" smtClean="0"/>
-              <a:t>8/19/19</a:t>
+              <a:t>12/23/19</a:t>
             </a:fld>
             <a:endParaRPr lang="en-US"/>
           </a:p>
@@ -6951,7 +6951,7 @@
                 </a:solidFill>
                 <a:latin typeface="verdana" panose="020B0604030504040204" pitchFamily="34" charset="0"/>
               </a:rPr>
-              <a:t>1..1</a:t>
+              <a:t>0..1</a:t>
             </a:r>
             <a:endParaRPr lang="en-US" sz="1400" dirty="0"/>
           </a:p>
